--- a/Dance Dance Revolution.pptx
+++ b/Dance Dance Revolution.pptx
@@ -10,8 +10,12 @@
     <p:sldId id="258" r:id="rId4"/>
     <p:sldId id="259" r:id="rId5"/>
     <p:sldId id="260" r:id="rId6"/>
-    <p:sldId id="261" r:id="rId7"/>
-    <p:sldId id="262" r:id="rId8"/>
+    <p:sldId id="266" r:id="rId7"/>
+    <p:sldId id="261" r:id="rId8"/>
+    <p:sldId id="262" r:id="rId9"/>
+    <p:sldId id="263" r:id="rId10"/>
+    <p:sldId id="265" r:id="rId11"/>
+    <p:sldId id="264" r:id="rId12"/>
   </p:sldIdLst>
   <p:sldSz cx="12192000" cy="6858000"/>
   <p:notesSz cx="6858000" cy="9144000"/>
@@ -110,7 +114,16 @@
       </a:defRPr>
     </a:lvl9pPr>
   </p:defaultTextStyle>
+  <p:extLst>
+    <p:ext uri="{EFAFB233-063F-42B5-8137-9DF3F51BA10A}">
+      <p15:sldGuideLst xmlns:p15="http://schemas.microsoft.com/office/powerpoint/2012/main"/>
+    </p:ext>
+  </p:extLst>
 </p:presentation>
+</file>
+
+<file path=ppt/revisionInfo.xml><?xml version="1.0" encoding="utf-8"?>
+<p1510:revInfo xmlns:a="http://schemas.openxmlformats.org/drawingml/2006/main" xmlns:r="http://schemas.openxmlformats.org/officeDocument/2006/relationships" xmlns:p1510="http://schemas.microsoft.com/office/powerpoint/2015/10/main"/>
 </file>
 
 <file path=ppt/slideLayouts/slideLayout1.xml><?xml version="1.0" encoding="utf-8"?>
@@ -244,7 +257,7 @@
           <a:p>
             <a:fld id="{D8C4C835-E3C8-4AD5-830D-BDEBCA3A498C}" type="datetimeFigureOut">
               <a:rPr lang="en-GB" smtClean="0"/>
-              <a:t>01/06/2017</a:t>
+              <a:t>02/06/2017</a:t>
             </a:fld>
             <a:endParaRPr lang="en-GB"/>
           </a:p>
@@ -414,7 +427,7 @@
           <a:p>
             <a:fld id="{D8C4C835-E3C8-4AD5-830D-BDEBCA3A498C}" type="datetimeFigureOut">
               <a:rPr lang="en-GB" smtClean="0"/>
-              <a:t>01/06/2017</a:t>
+              <a:t>02/06/2017</a:t>
             </a:fld>
             <a:endParaRPr lang="en-GB"/>
           </a:p>
@@ -594,7 +607,7 @@
           <a:p>
             <a:fld id="{D8C4C835-E3C8-4AD5-830D-BDEBCA3A498C}" type="datetimeFigureOut">
               <a:rPr lang="en-GB" smtClean="0"/>
-              <a:t>01/06/2017</a:t>
+              <a:t>02/06/2017</a:t>
             </a:fld>
             <a:endParaRPr lang="en-GB"/>
           </a:p>
@@ -764,7 +777,7 @@
           <a:p>
             <a:fld id="{D8C4C835-E3C8-4AD5-830D-BDEBCA3A498C}" type="datetimeFigureOut">
               <a:rPr lang="en-GB" smtClean="0"/>
-              <a:t>01/06/2017</a:t>
+              <a:t>02/06/2017</a:t>
             </a:fld>
             <a:endParaRPr lang="en-GB"/>
           </a:p>
@@ -1010,7 +1023,7 @@
           <a:p>
             <a:fld id="{D8C4C835-E3C8-4AD5-830D-BDEBCA3A498C}" type="datetimeFigureOut">
               <a:rPr lang="en-GB" smtClean="0"/>
-              <a:t>01/06/2017</a:t>
+              <a:t>02/06/2017</a:t>
             </a:fld>
             <a:endParaRPr lang="en-GB"/>
           </a:p>
@@ -1242,7 +1255,7 @@
           <a:p>
             <a:fld id="{D8C4C835-E3C8-4AD5-830D-BDEBCA3A498C}" type="datetimeFigureOut">
               <a:rPr lang="en-GB" smtClean="0"/>
-              <a:t>01/06/2017</a:t>
+              <a:t>02/06/2017</a:t>
             </a:fld>
             <a:endParaRPr lang="en-GB"/>
           </a:p>
@@ -1609,7 +1622,7 @@
           <a:p>
             <a:fld id="{D8C4C835-E3C8-4AD5-830D-BDEBCA3A498C}" type="datetimeFigureOut">
               <a:rPr lang="en-GB" smtClean="0"/>
-              <a:t>01/06/2017</a:t>
+              <a:t>02/06/2017</a:t>
             </a:fld>
             <a:endParaRPr lang="en-GB"/>
           </a:p>
@@ -1727,7 +1740,7 @@
           <a:p>
             <a:fld id="{D8C4C835-E3C8-4AD5-830D-BDEBCA3A498C}" type="datetimeFigureOut">
               <a:rPr lang="en-GB" smtClean="0"/>
-              <a:t>01/06/2017</a:t>
+              <a:t>02/06/2017</a:t>
             </a:fld>
             <a:endParaRPr lang="en-GB"/>
           </a:p>
@@ -1822,7 +1835,7 @@
           <a:p>
             <a:fld id="{D8C4C835-E3C8-4AD5-830D-BDEBCA3A498C}" type="datetimeFigureOut">
               <a:rPr lang="en-GB" smtClean="0"/>
-              <a:t>01/06/2017</a:t>
+              <a:t>02/06/2017</a:t>
             </a:fld>
             <a:endParaRPr lang="en-GB"/>
           </a:p>
@@ -2099,7 +2112,7 @@
           <a:p>
             <a:fld id="{D8C4C835-E3C8-4AD5-830D-BDEBCA3A498C}" type="datetimeFigureOut">
               <a:rPr lang="en-GB" smtClean="0"/>
-              <a:t>01/06/2017</a:t>
+              <a:t>02/06/2017</a:t>
             </a:fld>
             <a:endParaRPr lang="en-GB"/>
           </a:p>
@@ -2352,7 +2365,7 @@
           <a:p>
             <a:fld id="{D8C4C835-E3C8-4AD5-830D-BDEBCA3A498C}" type="datetimeFigureOut">
               <a:rPr lang="en-GB" smtClean="0"/>
-              <a:t>01/06/2017</a:t>
+              <a:t>02/06/2017</a:t>
             </a:fld>
             <a:endParaRPr lang="en-GB"/>
           </a:p>
@@ -2565,7 +2578,7 @@
           <a:p>
             <a:fld id="{D8C4C835-E3C8-4AD5-830D-BDEBCA3A498C}" type="datetimeFigureOut">
               <a:rPr lang="en-GB" smtClean="0"/>
-              <a:t>01/06/2017</a:t>
+              <a:t>02/06/2017</a:t>
             </a:fld>
             <a:endParaRPr lang="en-GB"/>
           </a:p>
@@ -3082,6 +3095,319 @@
 </p:sld>
 </file>
 
+<file path=ppt/slides/slide10.xml><?xml version="1.0" encoding="utf-8"?>
+<p:sld xmlns:a="http://schemas.openxmlformats.org/drawingml/2006/main" xmlns:r="http://schemas.openxmlformats.org/officeDocument/2006/relationships" xmlns:p="http://schemas.openxmlformats.org/presentationml/2006/main">
+  <p:cSld>
+    <p:spTree>
+      <p:nvGrpSpPr>
+        <p:cNvPr id="1" name=""/>
+        <p:cNvGrpSpPr/>
+        <p:nvPr/>
+      </p:nvGrpSpPr>
+      <p:grpSpPr>
+        <a:xfrm>
+          <a:off x="0" y="0"/>
+          <a:ext cx="0" cy="0"/>
+          <a:chOff x="0" y="0"/>
+          <a:chExt cx="0" cy="0"/>
+        </a:xfrm>
+      </p:grpSpPr>
+      <p:sp>
+        <p:nvSpPr>
+          <p:cNvPr id="2" name="Title 1"/>
+          <p:cNvSpPr>
+            <a:spLocks noGrp="1"/>
+          </p:cNvSpPr>
+          <p:nvPr>
+            <p:ph type="title"/>
+          </p:nvPr>
+        </p:nvSpPr>
+        <p:spPr/>
+        <p:txBody>
+          <a:bodyPr/>
+          <a:lstStyle/>
+          <a:p>
+            <a:r>
+              <a:rPr lang="en-US" dirty="0">
+                <a:latin typeface="Chelsea Market" panose="02000000000000000000" pitchFamily="2" charset="0"/>
+                <a:ea typeface="Chelsea Market" panose="02000000000000000000" pitchFamily="2" charset="0"/>
+              </a:rPr>
+              <a:t>Two players</a:t>
+            </a:r>
+            <a:endParaRPr lang="en-GB" dirty="0">
+              <a:latin typeface="Chelsea Market" panose="02000000000000000000" pitchFamily="2" charset="0"/>
+              <a:ea typeface="Chelsea Market" panose="02000000000000000000" pitchFamily="2" charset="0"/>
+            </a:endParaRPr>
+          </a:p>
+        </p:txBody>
+      </p:sp>
+      <p:sp>
+        <p:nvSpPr>
+          <p:cNvPr id="3" name="Content Placeholder 2"/>
+          <p:cNvSpPr>
+            <a:spLocks noGrp="1"/>
+          </p:cNvSpPr>
+          <p:nvPr>
+            <p:ph idx="1"/>
+          </p:nvPr>
+        </p:nvSpPr>
+        <p:spPr/>
+        <p:txBody>
+          <a:bodyPr/>
+          <a:lstStyle/>
+          <a:p>
+            <a:r>
+              <a:rPr lang="en-US" dirty="0">
+                <a:latin typeface="Roboto" pitchFamily="2" charset="0"/>
+                <a:ea typeface="Roboto" pitchFamily="2" charset="0"/>
+              </a:rPr>
+              <a:t>Initial idea: create two initial points to generate ball and target under the same object</a:t>
+            </a:r>
+          </a:p>
+          <a:p>
+            <a:r>
+              <a:rPr lang="en-US" dirty="0">
+                <a:latin typeface="Roboto" pitchFamily="2" charset="0"/>
+                <a:ea typeface="Roboto" pitchFamily="2" charset="0"/>
+              </a:rPr>
+              <a:t>Fail </a:t>
+            </a:r>
+            <a:r>
+              <a:rPr lang="en-US" dirty="0" err="1">
+                <a:latin typeface="Roboto" pitchFamily="2" charset="0"/>
+                <a:ea typeface="Roboto" pitchFamily="2" charset="0"/>
+              </a:rPr>
+              <a:t>hahahaha</a:t>
+            </a:r>
+            <a:r>
+              <a:rPr lang="en-US" dirty="0">
+                <a:latin typeface="Roboto" pitchFamily="2" charset="0"/>
+                <a:ea typeface="Roboto" pitchFamily="2" charset="0"/>
+              </a:rPr>
+              <a:t>. Objects don’t know need to listen to what and which one</a:t>
+            </a:r>
+          </a:p>
+          <a:p>
+            <a:endParaRPr lang="en-US" dirty="0">
+              <a:latin typeface="Roboto" pitchFamily="2" charset="0"/>
+              <a:ea typeface="Roboto" pitchFamily="2" charset="0"/>
+            </a:endParaRPr>
+          </a:p>
+          <a:p>
+            <a:endParaRPr lang="en-GB" dirty="0">
+              <a:latin typeface="Roboto" pitchFamily="2" charset="0"/>
+              <a:ea typeface="Roboto" pitchFamily="2" charset="0"/>
+            </a:endParaRPr>
+          </a:p>
+        </p:txBody>
+      </p:sp>
+    </p:spTree>
+    <p:extLst>
+      <p:ext uri="{BB962C8B-B14F-4D97-AF65-F5344CB8AC3E}">
+        <p14:creationId xmlns:p14="http://schemas.microsoft.com/office/powerpoint/2010/main" val="2212180988"/>
+      </p:ext>
+    </p:extLst>
+  </p:cSld>
+  <p:clrMapOvr>
+    <a:masterClrMapping/>
+  </p:clrMapOvr>
+</p:sld>
+</file>
+
+<file path=ppt/slides/slide11.xml><?xml version="1.0" encoding="utf-8"?>
+<p:sld xmlns:a="http://schemas.openxmlformats.org/drawingml/2006/main" xmlns:r="http://schemas.openxmlformats.org/officeDocument/2006/relationships" xmlns:p="http://schemas.openxmlformats.org/presentationml/2006/main">
+  <p:cSld>
+    <p:spTree>
+      <p:nvGrpSpPr>
+        <p:cNvPr id="1" name=""/>
+        <p:cNvGrpSpPr/>
+        <p:nvPr/>
+      </p:nvGrpSpPr>
+      <p:grpSpPr>
+        <a:xfrm>
+          <a:off x="0" y="0"/>
+          <a:ext cx="0" cy="0"/>
+          <a:chOff x="0" y="0"/>
+          <a:chExt cx="0" cy="0"/>
+        </a:xfrm>
+      </p:grpSpPr>
+      <p:sp>
+        <p:nvSpPr>
+          <p:cNvPr id="2" name="Title 1"/>
+          <p:cNvSpPr>
+            <a:spLocks noGrp="1"/>
+          </p:cNvSpPr>
+          <p:nvPr>
+            <p:ph type="title"/>
+          </p:nvPr>
+        </p:nvSpPr>
+        <p:spPr/>
+        <p:txBody>
+          <a:bodyPr/>
+          <a:lstStyle/>
+          <a:p>
+            <a:r>
+              <a:rPr lang="en-US" dirty="0">
+                <a:latin typeface="Chelsea Market" panose="02000000000000000000" pitchFamily="2" charset="0"/>
+                <a:ea typeface="Chelsea Market" panose="02000000000000000000" pitchFamily="2" charset="0"/>
+              </a:rPr>
+              <a:t>Overall features</a:t>
+            </a:r>
+            <a:endParaRPr lang="en-GB" dirty="0">
+              <a:latin typeface="Chelsea Market" panose="02000000000000000000" pitchFamily="2" charset="0"/>
+              <a:ea typeface="Chelsea Market" panose="02000000000000000000" pitchFamily="2" charset="0"/>
+            </a:endParaRPr>
+          </a:p>
+        </p:txBody>
+      </p:sp>
+      <p:sp>
+        <p:nvSpPr>
+          <p:cNvPr id="3" name="Content Placeholder 2"/>
+          <p:cNvSpPr>
+            <a:spLocks noGrp="1"/>
+          </p:cNvSpPr>
+          <p:nvPr>
+            <p:ph idx="1"/>
+          </p:nvPr>
+        </p:nvSpPr>
+        <p:spPr/>
+        <p:txBody>
+          <a:bodyPr/>
+          <a:lstStyle/>
+          <a:p>
+            <a:r>
+              <a:rPr lang="en-US" dirty="0">
+                <a:latin typeface="Roboto" pitchFamily="2" charset="0"/>
+                <a:ea typeface="Roboto" pitchFamily="2" charset="0"/>
+              </a:rPr>
+              <a:t>Font: Chelsea Market (</a:t>
+            </a:r>
+            <a:r>
+              <a:rPr lang="en-US" dirty="0">
+                <a:latin typeface="Roboto" pitchFamily="2" charset="0"/>
+                <a:ea typeface="Roboto" pitchFamily="2" charset="0"/>
+                <a:hlinkClick r:id="rId2"/>
+              </a:rPr>
+              <a:t>https://fonts.google.com/specimen/Chelsea+Market</a:t>
+            </a:r>
+            <a:r>
+              <a:rPr lang="en-US" dirty="0">
+                <a:latin typeface="Roboto" pitchFamily="2" charset="0"/>
+                <a:ea typeface="Roboto" pitchFamily="2" charset="0"/>
+              </a:rPr>
+              <a:t>)</a:t>
+            </a:r>
+          </a:p>
+          <a:p>
+            <a:r>
+              <a:rPr lang="en-US" dirty="0">
+                <a:latin typeface="Roboto" pitchFamily="2" charset="0"/>
+                <a:ea typeface="Roboto" pitchFamily="2" charset="0"/>
+              </a:rPr>
+              <a:t>Music</a:t>
+            </a:r>
+            <a:r>
+              <a:rPr lang="en-GB" dirty="0">
+                <a:latin typeface="Roboto" pitchFamily="2" charset="0"/>
+                <a:ea typeface="Roboto" pitchFamily="2" charset="0"/>
+              </a:rPr>
+              <a:t>:</a:t>
+            </a:r>
+          </a:p>
+          <a:p>
+            <a:pPr lvl="1"/>
+            <a:r>
+              <a:rPr lang="en-US" dirty="0">
+                <a:latin typeface="Roboto" pitchFamily="2" charset="0"/>
+                <a:ea typeface="Roboto" pitchFamily="2" charset="0"/>
+              </a:rPr>
+              <a:t>M</a:t>
+            </a:r>
+            <a:r>
+              <a:rPr lang="en-GB" dirty="0" err="1">
+                <a:latin typeface="Roboto" pitchFamily="2" charset="0"/>
+                <a:ea typeface="Roboto" pitchFamily="2" charset="0"/>
+              </a:rPr>
+              <a:t>enu</a:t>
+            </a:r>
+            <a:r>
+              <a:rPr lang="en-GB" dirty="0">
+                <a:latin typeface="Roboto" pitchFamily="2" charset="0"/>
+                <a:ea typeface="Roboto" pitchFamily="2" charset="0"/>
+              </a:rPr>
+              <a:t> page: Maple leaf rag</a:t>
+            </a:r>
+          </a:p>
+          <a:p>
+            <a:pPr lvl="1"/>
+            <a:r>
+              <a:rPr lang="en-US" dirty="0">
+                <a:latin typeface="Roboto" pitchFamily="2" charset="0"/>
+                <a:ea typeface="Roboto" pitchFamily="2" charset="0"/>
+              </a:rPr>
+              <a:t>G</a:t>
+            </a:r>
+            <a:r>
+              <a:rPr lang="en-GB" dirty="0" err="1">
+                <a:latin typeface="Roboto" pitchFamily="2" charset="0"/>
+                <a:ea typeface="Roboto" pitchFamily="2" charset="0"/>
+              </a:rPr>
+              <a:t>ame</a:t>
+            </a:r>
+            <a:r>
+              <a:rPr lang="en-GB" dirty="0">
+                <a:latin typeface="Roboto" pitchFamily="2" charset="0"/>
+                <a:ea typeface="Roboto" pitchFamily="2" charset="0"/>
+              </a:rPr>
+              <a:t>: The entertainer</a:t>
+            </a:r>
+            <a:endParaRPr lang="en-US" dirty="0">
+              <a:latin typeface="Roboto" pitchFamily="2" charset="0"/>
+              <a:ea typeface="Roboto" pitchFamily="2" charset="0"/>
+            </a:endParaRPr>
+          </a:p>
+          <a:p>
+            <a:pPr marL="457200" lvl="1" indent="0">
+              <a:buNone/>
+            </a:pPr>
+            <a:endParaRPr lang="en-US" dirty="0">
+              <a:latin typeface="Roboto" pitchFamily="2" charset="0"/>
+              <a:ea typeface="Roboto" pitchFamily="2" charset="0"/>
+            </a:endParaRPr>
+          </a:p>
+          <a:p>
+            <a:pPr marL="457200" lvl="1" indent="0">
+              <a:buNone/>
+            </a:pPr>
+            <a:endParaRPr lang="en-US" dirty="0">
+              <a:latin typeface="Roboto" pitchFamily="2" charset="0"/>
+              <a:ea typeface="Roboto" pitchFamily="2" charset="0"/>
+            </a:endParaRPr>
+          </a:p>
+          <a:p>
+            <a:pPr marL="457200" lvl="1" indent="0">
+              <a:buNone/>
+            </a:pPr>
+            <a:endParaRPr lang="en-US" dirty="0">
+              <a:latin typeface="Roboto" pitchFamily="2" charset="0"/>
+              <a:ea typeface="Roboto" pitchFamily="2" charset="0"/>
+            </a:endParaRPr>
+          </a:p>
+        </p:txBody>
+      </p:sp>
+    </p:spTree>
+    <p:extLst>
+      <p:ext uri="{BB962C8B-B14F-4D97-AF65-F5344CB8AC3E}">
+        <p14:creationId xmlns:p14="http://schemas.microsoft.com/office/powerpoint/2010/main" val="403999741"/>
+      </p:ext>
+    </p:extLst>
+  </p:cSld>
+  <p:clrMapOvr>
+    <a:masterClrMapping/>
+  </p:clrMapOvr>
+</p:sld>
+</file>
+
 <file path=ppt/slides/slide2.xml><?xml version="1.0" encoding="utf-8"?>
 <p:sld xmlns:a="http://schemas.openxmlformats.org/drawingml/2006/main" xmlns:r="http://schemas.openxmlformats.org/officeDocument/2006/relationships" xmlns:p="http://schemas.openxmlformats.org/presentationml/2006/main">
   <p:cSld>
@@ -3925,13 +4251,7 @@
           <a:bodyPr/>
           <a:lstStyle/>
           <a:p>
-            <a:r>
-              <a:rPr lang="en-GB" dirty="0">
-                <a:latin typeface="Chelsea Market" panose="02000000000000000000" pitchFamily="2" charset="0"/>
-                <a:ea typeface="Chelsea Market" panose="02000000000000000000" pitchFamily="2" charset="0"/>
-              </a:rPr>
-              <a:t>Juice</a:t>
-            </a:r>
+            <a:endParaRPr lang="en-GB"/>
           </a:p>
         </p:txBody>
       </p:sp>
@@ -3945,431 +4265,60 @@
             <p:ph idx="1"/>
           </p:nvPr>
         </p:nvSpPr>
-        <p:spPr>
-          <a:xfrm>
-            <a:off x="838200" y="1825625"/>
-            <a:ext cx="5274733" cy="2200056"/>
-          </a:xfrm>
-        </p:spPr>
-        <p:txBody>
-          <a:bodyPr>
-            <a:normAutofit/>
-          </a:bodyPr>
-          <a:lstStyle/>
-          <a:p>
-            <a:pPr marL="514350" indent="-514350">
-              <a:lnSpc>
-                <a:spcPct val="150000"/>
-              </a:lnSpc>
-              <a:buFont typeface="+mj-lt"/>
-              <a:buAutoNum type="arabicPeriod"/>
-            </a:pPr>
-            <a:r>
-              <a:rPr lang="en-GB" dirty="0">
-                <a:latin typeface="Roboto" pitchFamily="2" charset="0"/>
-                <a:ea typeface="Roboto" pitchFamily="2" charset="0"/>
-              </a:rPr>
-              <a:t>Sound effect</a:t>
-            </a:r>
-          </a:p>
-          <a:p>
-            <a:pPr lvl="1">
-              <a:lnSpc>
-                <a:spcPct val="150000"/>
-              </a:lnSpc>
-            </a:pPr>
-            <a:r>
-              <a:rPr lang="en-GB" dirty="0">
-                <a:latin typeface="Roboto" pitchFamily="2" charset="0"/>
-                <a:ea typeface="Roboto" pitchFamily="2" charset="0"/>
-              </a:rPr>
-              <a:t>Collision detection</a:t>
-            </a:r>
-          </a:p>
-          <a:p>
-            <a:pPr lvl="1">
-              <a:lnSpc>
-                <a:spcPct val="150000"/>
-              </a:lnSpc>
-            </a:pPr>
-            <a:r>
-              <a:rPr lang="en-GB" dirty="0">
-                <a:latin typeface="Roboto" pitchFamily="2" charset="0"/>
-                <a:ea typeface="Roboto" pitchFamily="2" charset="0"/>
-              </a:rPr>
-              <a:t>Mouse hover and mouse click</a:t>
-            </a:r>
-          </a:p>
-        </p:txBody>
-      </p:sp>
-      <p:sp>
-        <p:nvSpPr>
-          <p:cNvPr id="4" name="Rectangle 3"/>
-          <p:cNvSpPr/>
-          <p:nvPr/>
-        </p:nvSpPr>
-        <p:spPr>
-          <a:xfrm>
-            <a:off x="6942666" y="1690688"/>
-            <a:ext cx="4055533" cy="3711045"/>
-          </a:xfrm>
-          <a:prstGeom prst="rect">
-            <a:avLst/>
-          </a:prstGeom>
-          <a:solidFill>
-            <a:schemeClr val="bg1"/>
-          </a:solidFill>
-          <a:ln w="76200">
-            <a:solidFill>
-              <a:schemeClr val="tx1"/>
-            </a:solidFill>
-          </a:ln>
-        </p:spPr>
-        <p:style>
-          <a:lnRef idx="2">
-            <a:schemeClr val="accent1">
-              <a:shade val="50000"/>
-            </a:schemeClr>
-          </a:lnRef>
-          <a:fillRef idx="1">
-            <a:schemeClr val="accent1"/>
-          </a:fillRef>
-          <a:effectRef idx="0">
-            <a:schemeClr val="accent1"/>
-          </a:effectRef>
-          <a:fontRef idx="minor">
-            <a:schemeClr val="lt1"/>
-          </a:fontRef>
-        </p:style>
-        <p:txBody>
-          <a:bodyPr rtlCol="0" anchor="ctr"/>
-          <a:lstStyle/>
-          <a:p>
-            <a:pPr algn="ctr"/>
-            <a:endParaRPr lang="en-GB"/>
-          </a:p>
-        </p:txBody>
-      </p:sp>
-      <p:sp>
-        <p:nvSpPr>
-          <p:cNvPr id="6" name="Oval 5"/>
-          <p:cNvSpPr/>
-          <p:nvPr/>
-        </p:nvSpPr>
-        <p:spPr>
-          <a:xfrm>
-            <a:off x="8500531" y="2755681"/>
-            <a:ext cx="1270000" cy="1270000"/>
-          </a:xfrm>
-          <a:prstGeom prst="ellipse">
-            <a:avLst/>
-          </a:prstGeom>
-          <a:solidFill>
-            <a:srgbClr val="00B050"/>
-          </a:solidFill>
-          <a:ln>
-            <a:noFill/>
-          </a:ln>
-        </p:spPr>
-        <p:style>
-          <a:lnRef idx="2">
-            <a:schemeClr val="accent1">
-              <a:shade val="50000"/>
-            </a:schemeClr>
-          </a:lnRef>
-          <a:fillRef idx="1">
-            <a:schemeClr val="accent1"/>
-          </a:fillRef>
-          <a:effectRef idx="0">
-            <a:schemeClr val="accent1"/>
-          </a:effectRef>
-          <a:fontRef idx="minor">
-            <a:schemeClr val="lt1"/>
-          </a:fontRef>
-        </p:style>
-        <p:txBody>
-          <a:bodyPr rtlCol="0" anchor="ctr"/>
-          <a:lstStyle/>
-          <a:p>
-            <a:pPr algn="ctr"/>
-            <a:endParaRPr lang="en-GB"/>
-          </a:p>
-        </p:txBody>
-      </p:sp>
-      <p:pic>
-        <p:nvPicPr>
-          <p:cNvPr id="10" name="Picture 9"/>
-          <p:cNvPicPr>
-            <a:picLocks noChangeAspect="1"/>
-          </p:cNvPicPr>
-          <p:nvPr/>
-        </p:nvPicPr>
-        <p:blipFill>
-          <a:blip r:embed="rId2">
-            <a:extLst>
-              <a:ext uri="{28A0092B-C50C-407E-A947-70E740481C1C}">
-                <a14:useLocalDpi xmlns:a14="http://schemas.microsoft.com/office/drawing/2010/main" val="0"/>
-              </a:ext>
-            </a:extLst>
-          </a:blip>
-          <a:stretch>
-            <a:fillRect/>
-          </a:stretch>
-        </p:blipFill>
-        <p:spPr>
-          <a:xfrm>
-            <a:off x="8225365" y="2755840"/>
-            <a:ext cx="1269841" cy="1269841"/>
-          </a:xfrm>
-          <a:prstGeom prst="rect">
-            <a:avLst/>
-          </a:prstGeom>
-        </p:spPr>
-      </p:pic>
-      <p:sp>
-        <p:nvSpPr>
-          <p:cNvPr id="11" name="TextBox 10"/>
-          <p:cNvSpPr txBox="1"/>
-          <p:nvPr/>
-        </p:nvSpPr>
-        <p:spPr>
-          <a:xfrm>
-            <a:off x="8919626" y="4351291"/>
-            <a:ext cx="935567" cy="461665"/>
-          </a:xfrm>
-          <a:prstGeom prst="rect">
-            <a:avLst/>
-          </a:prstGeom>
-          <a:noFill/>
-        </p:spPr>
-        <p:txBody>
-          <a:bodyPr wrap="square" rtlCol="0">
-            <a:spAutoFit/>
-          </a:bodyPr>
-          <a:lstStyle/>
-          <a:p>
-            <a:r>
-              <a:rPr lang="en-GB" sz="2400" dirty="0">
-                <a:latin typeface="Chelsea Market" panose="02000000000000000000" pitchFamily="2" charset="0"/>
-                <a:ea typeface="Chelsea Market" panose="02000000000000000000" pitchFamily="2" charset="0"/>
-              </a:rPr>
-              <a:t>click</a:t>
-            </a:r>
-          </a:p>
-        </p:txBody>
-      </p:sp>
-      <p:sp>
-        <p:nvSpPr>
-          <p:cNvPr id="12" name="TextBox 11"/>
-          <p:cNvSpPr txBox="1"/>
-          <p:nvPr/>
-        </p:nvSpPr>
-        <p:spPr>
-          <a:xfrm>
-            <a:off x="9243401" y="2285456"/>
-            <a:ext cx="1054259" cy="400110"/>
-          </a:xfrm>
-          <a:prstGeom prst="rect">
-            <a:avLst/>
-          </a:prstGeom>
-          <a:noFill/>
-        </p:spPr>
-        <p:txBody>
-          <a:bodyPr wrap="square" rtlCol="0">
-            <a:spAutoFit/>
-          </a:bodyPr>
-          <a:lstStyle/>
-          <a:p>
-            <a:r>
-              <a:rPr lang="en-GB" sz="2000" dirty="0">
-                <a:latin typeface="Chelsea Market" panose="02000000000000000000" pitchFamily="2" charset="0"/>
-                <a:ea typeface="Chelsea Market" panose="02000000000000000000" pitchFamily="2" charset="0"/>
-              </a:rPr>
-              <a:t>Ding!</a:t>
-            </a:r>
-          </a:p>
-        </p:txBody>
-      </p:sp>
-      <p:sp>
-        <p:nvSpPr>
-          <p:cNvPr id="13" name="TextBox 12"/>
-          <p:cNvSpPr txBox="1"/>
-          <p:nvPr/>
-        </p:nvSpPr>
-        <p:spPr>
-          <a:xfrm>
-            <a:off x="1337732" y="4627574"/>
-            <a:ext cx="1388533" cy="655625"/>
-          </a:xfrm>
-          <a:prstGeom prst="rect">
-            <a:avLst/>
-          </a:prstGeom>
-          <a:noFill/>
-        </p:spPr>
-        <p:txBody>
-          <a:bodyPr wrap="square" rtlCol="0">
-            <a:spAutoFit/>
-          </a:bodyPr>
-          <a:lstStyle/>
-          <a:p>
-            <a:r>
-              <a:rPr lang="en-GB" sz="3600" u="sng" dirty="0">
-                <a:latin typeface="Chelsea Market" panose="02000000000000000000" pitchFamily="2" charset="0"/>
-                <a:ea typeface="Chelsea Market" panose="02000000000000000000" pitchFamily="2" charset="0"/>
-              </a:rPr>
-              <a:t>Start</a:t>
-            </a:r>
-          </a:p>
-        </p:txBody>
-      </p:sp>
-      <p:sp>
-        <p:nvSpPr>
-          <p:cNvPr id="14" name="TextBox 13"/>
-          <p:cNvSpPr txBox="1"/>
-          <p:nvPr/>
-        </p:nvSpPr>
-        <p:spPr>
-          <a:xfrm>
-            <a:off x="3793066" y="4627575"/>
-            <a:ext cx="1388533" cy="655625"/>
-          </a:xfrm>
-          <a:prstGeom prst="rect">
-            <a:avLst/>
-          </a:prstGeom>
-          <a:noFill/>
-        </p:spPr>
-        <p:txBody>
-          <a:bodyPr wrap="square" rtlCol="0">
-            <a:spAutoFit/>
-          </a:bodyPr>
-          <a:lstStyle/>
-          <a:p>
-            <a:r>
-              <a:rPr lang="en-GB" sz="3600" u="sng" dirty="0">
-                <a:solidFill>
-                  <a:srgbClr val="7030A0"/>
-                </a:solidFill>
-                <a:latin typeface="Chelsea Market" panose="02000000000000000000" pitchFamily="2" charset="0"/>
-                <a:ea typeface="Chelsea Market" panose="02000000000000000000" pitchFamily="2" charset="0"/>
-              </a:rPr>
-              <a:t>Start</a:t>
-            </a:r>
-          </a:p>
-        </p:txBody>
-      </p:sp>
-      <p:sp>
-        <p:nvSpPr>
-          <p:cNvPr id="15" name="Rectangle 14"/>
-          <p:cNvSpPr/>
-          <p:nvPr/>
-        </p:nvSpPr>
-        <p:spPr>
-          <a:xfrm>
-            <a:off x="711200" y="4351291"/>
-            <a:ext cx="5029200" cy="1208190"/>
-          </a:xfrm>
-          <a:prstGeom prst="rect">
-            <a:avLst/>
-          </a:prstGeom>
-          <a:noFill/>
-          <a:ln w="76200">
-            <a:solidFill>
-              <a:schemeClr val="tx1"/>
-            </a:solidFill>
-          </a:ln>
-        </p:spPr>
-        <p:style>
-          <a:lnRef idx="2">
-            <a:schemeClr val="accent1">
-              <a:shade val="50000"/>
-            </a:schemeClr>
-          </a:lnRef>
-          <a:fillRef idx="1">
-            <a:schemeClr val="accent1"/>
-          </a:fillRef>
-          <a:effectRef idx="0">
-            <a:schemeClr val="accent1"/>
-          </a:effectRef>
-          <a:fontRef idx="minor">
-            <a:schemeClr val="lt1"/>
-          </a:fontRef>
-        </p:style>
-        <p:txBody>
-          <a:bodyPr rtlCol="0" anchor="ctr"/>
-          <a:lstStyle/>
-          <a:p>
-            <a:pPr algn="ctr"/>
-            <a:endParaRPr lang="en-GB"/>
-          </a:p>
-        </p:txBody>
-      </p:sp>
-      <p:pic>
-        <p:nvPicPr>
-          <p:cNvPr id="17" name="Picture 16"/>
-          <p:cNvPicPr>
-            <a:picLocks noChangeAspect="1"/>
-          </p:cNvPicPr>
-          <p:nvPr/>
-        </p:nvPicPr>
-        <p:blipFill>
-          <a:blip r:embed="rId3">
-            <a:extLst>
-              <a:ext uri="{28A0092B-C50C-407E-A947-70E740481C1C}">
-                <a14:useLocalDpi xmlns:a14="http://schemas.microsoft.com/office/drawing/2010/main" val="0"/>
-              </a:ext>
-            </a:extLst>
-          </a:blip>
-          <a:stretch>
-            <a:fillRect/>
-          </a:stretch>
-        </p:blipFill>
-        <p:spPr>
-          <a:xfrm rot="20207804">
-            <a:off x="4670106" y="5018081"/>
-            <a:ext cx="410104" cy="530235"/>
-          </a:xfrm>
-          <a:prstGeom prst="rect">
-            <a:avLst/>
-          </a:prstGeom>
-        </p:spPr>
-      </p:pic>
-      <p:pic>
-        <p:nvPicPr>
-          <p:cNvPr id="19" name="Graphic 18"/>
-          <p:cNvPicPr>
-            <a:picLocks noChangeAspect="1"/>
-          </p:cNvPicPr>
-          <p:nvPr/>
-        </p:nvPicPr>
-        <p:blipFill>
-          <a:blip r:embed="rId4">
-            <a:extLst>
-              <a:ext uri="{28A0092B-C50C-407E-A947-70E740481C1C}">
-                <a14:useLocalDpi xmlns:a14="http://schemas.microsoft.com/office/drawing/2010/main" val="0"/>
-              </a:ext>
-              <a:ext uri="{96DAC541-7B7A-43D3-8B79-37D633B846F1}">
-                <asvg:svgBlip xmlns:asvg="http://schemas.microsoft.com/office/drawing/2016/SVG/main" r:embed="rId5"/>
-              </a:ext>
-            </a:extLst>
-          </a:blip>
-          <a:stretch>
-            <a:fillRect/>
-          </a:stretch>
-        </p:blipFill>
-        <p:spPr>
-          <a:xfrm flipH="1">
-            <a:off x="8265748" y="4283679"/>
-            <a:ext cx="596888" cy="596888"/>
-          </a:xfrm>
-          <a:prstGeom prst="rect">
-            <a:avLst/>
-          </a:prstGeom>
-        </p:spPr>
-      </p:pic>
+        <p:spPr/>
+        <p:txBody>
+          <a:bodyPr/>
+          <a:lstStyle/>
+          <a:p>
+            <a:r>
+              <a:rPr lang="en-US" dirty="0"/>
+              <a:t>Initially both target and ball are under the same object.</a:t>
+            </a:r>
+          </a:p>
+          <a:p>
+            <a:r>
+              <a:rPr lang="en-US" dirty="0"/>
+              <a:t>Initialized the target </a:t>
+            </a:r>
+            <a:r>
+              <a:rPr lang="en-US" dirty="0" err="1"/>
+              <a:t>everytime</a:t>
+            </a:r>
+            <a:r>
+              <a:rPr lang="en-US" dirty="0"/>
+              <a:t> the ball is generated</a:t>
+            </a:r>
+          </a:p>
+          <a:p>
+            <a:r>
+              <a:rPr lang="en-US" dirty="0"/>
+              <a:t>Face problem in detecting the score since I have to delete the passing ball which means delete the target in that object at the same time</a:t>
+            </a:r>
+          </a:p>
+          <a:p>
+            <a:r>
+              <a:rPr lang="en-US" dirty="0"/>
+              <a:t>Decided to make the two of them separate object so that no need to generate new target </a:t>
+            </a:r>
+            <a:r>
+              <a:rPr lang="en-US" dirty="0" err="1"/>
+              <a:t>everytime</a:t>
+            </a:r>
+            <a:endParaRPr lang="en-US" dirty="0"/>
+          </a:p>
+          <a:p>
+            <a:r>
+              <a:rPr lang="en-US" dirty="0"/>
+              <a:t>One target to listen to every time the keyboard is hit when ball reach its position</a:t>
+            </a:r>
+            <a:endParaRPr lang="en-GB" dirty="0"/>
+          </a:p>
+        </p:txBody>
+      </p:sp>
     </p:spTree>
     <p:extLst>
       <p:ext uri="{BB962C8B-B14F-4D97-AF65-F5344CB8AC3E}">
-        <p14:creationId xmlns:p14="http://schemas.microsoft.com/office/powerpoint/2010/main" val="2640927761"/>
+        <p14:creationId xmlns:p14="http://schemas.microsoft.com/office/powerpoint/2010/main" val="1253463814"/>
       </p:ext>
     </p:extLst>
   </p:cSld>
@@ -4418,6 +4367,492 @@
               </a:rPr>
               <a:t>Juice</a:t>
             </a:r>
+          </a:p>
+        </p:txBody>
+      </p:sp>
+      <p:sp>
+        <p:nvSpPr>
+          <p:cNvPr id="3" name="Content Placeholder 2"/>
+          <p:cNvSpPr>
+            <a:spLocks noGrp="1"/>
+          </p:cNvSpPr>
+          <p:nvPr>
+            <p:ph idx="1"/>
+          </p:nvPr>
+        </p:nvSpPr>
+        <p:spPr>
+          <a:xfrm>
+            <a:off x="838200" y="1825625"/>
+            <a:ext cx="5274733" cy="2200056"/>
+          </a:xfrm>
+        </p:spPr>
+        <p:txBody>
+          <a:bodyPr>
+            <a:normAutofit/>
+          </a:bodyPr>
+          <a:lstStyle/>
+          <a:p>
+            <a:pPr marL="514350" indent="-514350">
+              <a:lnSpc>
+                <a:spcPct val="150000"/>
+              </a:lnSpc>
+              <a:buFont typeface="+mj-lt"/>
+              <a:buAutoNum type="arabicPeriod"/>
+            </a:pPr>
+            <a:r>
+              <a:rPr lang="en-GB" dirty="0">
+                <a:latin typeface="Roboto" pitchFamily="2" charset="0"/>
+                <a:ea typeface="Roboto" pitchFamily="2" charset="0"/>
+              </a:rPr>
+              <a:t>Sound effect</a:t>
+            </a:r>
+          </a:p>
+          <a:p>
+            <a:pPr lvl="1">
+              <a:lnSpc>
+                <a:spcPct val="150000"/>
+              </a:lnSpc>
+            </a:pPr>
+            <a:r>
+              <a:rPr lang="en-GB" dirty="0">
+                <a:latin typeface="Roboto" pitchFamily="2" charset="0"/>
+                <a:ea typeface="Roboto" pitchFamily="2" charset="0"/>
+              </a:rPr>
+              <a:t>Collision detection</a:t>
+            </a:r>
+          </a:p>
+          <a:p>
+            <a:pPr lvl="1">
+              <a:lnSpc>
+                <a:spcPct val="150000"/>
+              </a:lnSpc>
+            </a:pPr>
+            <a:r>
+              <a:rPr lang="en-GB" dirty="0">
+                <a:latin typeface="Roboto" pitchFamily="2" charset="0"/>
+                <a:ea typeface="Roboto" pitchFamily="2" charset="0"/>
+              </a:rPr>
+              <a:t>Mouse hover and mouse click</a:t>
+            </a:r>
+          </a:p>
+        </p:txBody>
+      </p:sp>
+      <p:sp>
+        <p:nvSpPr>
+          <p:cNvPr id="4" name="Rectangle 3"/>
+          <p:cNvSpPr/>
+          <p:nvPr/>
+        </p:nvSpPr>
+        <p:spPr>
+          <a:xfrm>
+            <a:off x="6942666" y="1690688"/>
+            <a:ext cx="4055533" cy="3711045"/>
+          </a:xfrm>
+          <a:prstGeom prst="rect">
+            <a:avLst/>
+          </a:prstGeom>
+          <a:solidFill>
+            <a:schemeClr val="bg1"/>
+          </a:solidFill>
+          <a:ln w="76200">
+            <a:solidFill>
+              <a:schemeClr val="tx1"/>
+            </a:solidFill>
+          </a:ln>
+        </p:spPr>
+        <p:style>
+          <a:lnRef idx="2">
+            <a:schemeClr val="accent1">
+              <a:shade val="50000"/>
+            </a:schemeClr>
+          </a:lnRef>
+          <a:fillRef idx="1">
+            <a:schemeClr val="accent1"/>
+          </a:fillRef>
+          <a:effectRef idx="0">
+            <a:schemeClr val="accent1"/>
+          </a:effectRef>
+          <a:fontRef idx="minor">
+            <a:schemeClr val="lt1"/>
+          </a:fontRef>
+        </p:style>
+        <p:txBody>
+          <a:bodyPr rtlCol="0" anchor="ctr"/>
+          <a:lstStyle/>
+          <a:p>
+            <a:pPr algn="ctr"/>
+            <a:endParaRPr lang="en-GB"/>
+          </a:p>
+        </p:txBody>
+      </p:sp>
+      <p:sp>
+        <p:nvSpPr>
+          <p:cNvPr id="6" name="Oval 5"/>
+          <p:cNvSpPr/>
+          <p:nvPr/>
+        </p:nvSpPr>
+        <p:spPr>
+          <a:xfrm>
+            <a:off x="8500531" y="2755681"/>
+            <a:ext cx="1270000" cy="1270000"/>
+          </a:xfrm>
+          <a:prstGeom prst="ellipse">
+            <a:avLst/>
+          </a:prstGeom>
+          <a:solidFill>
+            <a:srgbClr val="00B050"/>
+          </a:solidFill>
+          <a:ln>
+            <a:noFill/>
+          </a:ln>
+        </p:spPr>
+        <p:style>
+          <a:lnRef idx="2">
+            <a:schemeClr val="accent1">
+              <a:shade val="50000"/>
+            </a:schemeClr>
+          </a:lnRef>
+          <a:fillRef idx="1">
+            <a:schemeClr val="accent1"/>
+          </a:fillRef>
+          <a:effectRef idx="0">
+            <a:schemeClr val="accent1"/>
+          </a:effectRef>
+          <a:fontRef idx="minor">
+            <a:schemeClr val="lt1"/>
+          </a:fontRef>
+        </p:style>
+        <p:txBody>
+          <a:bodyPr rtlCol="0" anchor="ctr"/>
+          <a:lstStyle/>
+          <a:p>
+            <a:pPr algn="ctr"/>
+            <a:endParaRPr lang="en-GB"/>
+          </a:p>
+        </p:txBody>
+      </p:sp>
+      <p:pic>
+        <p:nvPicPr>
+          <p:cNvPr id="10" name="Picture 9"/>
+          <p:cNvPicPr>
+            <a:picLocks noChangeAspect="1"/>
+          </p:cNvPicPr>
+          <p:nvPr/>
+        </p:nvPicPr>
+        <p:blipFill>
+          <a:blip r:embed="rId2">
+            <a:extLst>
+              <a:ext uri="{28A0092B-C50C-407E-A947-70E740481C1C}">
+                <a14:useLocalDpi xmlns:a14="http://schemas.microsoft.com/office/drawing/2010/main" val="0"/>
+              </a:ext>
+            </a:extLst>
+          </a:blip>
+          <a:stretch>
+            <a:fillRect/>
+          </a:stretch>
+        </p:blipFill>
+        <p:spPr>
+          <a:xfrm>
+            <a:off x="8225365" y="2755840"/>
+            <a:ext cx="1269841" cy="1269841"/>
+          </a:xfrm>
+          <a:prstGeom prst="rect">
+            <a:avLst/>
+          </a:prstGeom>
+        </p:spPr>
+      </p:pic>
+      <p:sp>
+        <p:nvSpPr>
+          <p:cNvPr id="11" name="TextBox 10"/>
+          <p:cNvSpPr txBox="1"/>
+          <p:nvPr/>
+        </p:nvSpPr>
+        <p:spPr>
+          <a:xfrm>
+            <a:off x="8919626" y="4351291"/>
+            <a:ext cx="935567" cy="461665"/>
+          </a:xfrm>
+          <a:prstGeom prst="rect">
+            <a:avLst/>
+          </a:prstGeom>
+          <a:noFill/>
+        </p:spPr>
+        <p:txBody>
+          <a:bodyPr wrap="square" rtlCol="0">
+            <a:spAutoFit/>
+          </a:bodyPr>
+          <a:lstStyle/>
+          <a:p>
+            <a:r>
+              <a:rPr lang="en-GB" sz="2400" dirty="0">
+                <a:latin typeface="Chelsea Market" panose="02000000000000000000" pitchFamily="2" charset="0"/>
+                <a:ea typeface="Chelsea Market" panose="02000000000000000000" pitchFamily="2" charset="0"/>
+              </a:rPr>
+              <a:t>click</a:t>
+            </a:r>
+          </a:p>
+        </p:txBody>
+      </p:sp>
+      <p:sp>
+        <p:nvSpPr>
+          <p:cNvPr id="12" name="TextBox 11"/>
+          <p:cNvSpPr txBox="1"/>
+          <p:nvPr/>
+        </p:nvSpPr>
+        <p:spPr>
+          <a:xfrm>
+            <a:off x="9243401" y="2285456"/>
+            <a:ext cx="1054259" cy="400110"/>
+          </a:xfrm>
+          <a:prstGeom prst="rect">
+            <a:avLst/>
+          </a:prstGeom>
+          <a:noFill/>
+        </p:spPr>
+        <p:txBody>
+          <a:bodyPr wrap="square" rtlCol="0">
+            <a:spAutoFit/>
+          </a:bodyPr>
+          <a:lstStyle/>
+          <a:p>
+            <a:r>
+              <a:rPr lang="en-GB" sz="2000" dirty="0">
+                <a:latin typeface="Chelsea Market" panose="02000000000000000000" pitchFamily="2" charset="0"/>
+                <a:ea typeface="Chelsea Market" panose="02000000000000000000" pitchFamily="2" charset="0"/>
+              </a:rPr>
+              <a:t>Ding!</a:t>
+            </a:r>
+          </a:p>
+        </p:txBody>
+      </p:sp>
+      <p:sp>
+        <p:nvSpPr>
+          <p:cNvPr id="13" name="TextBox 12"/>
+          <p:cNvSpPr txBox="1"/>
+          <p:nvPr/>
+        </p:nvSpPr>
+        <p:spPr>
+          <a:xfrm>
+            <a:off x="1337732" y="4627574"/>
+            <a:ext cx="1388533" cy="655625"/>
+          </a:xfrm>
+          <a:prstGeom prst="rect">
+            <a:avLst/>
+          </a:prstGeom>
+          <a:noFill/>
+        </p:spPr>
+        <p:txBody>
+          <a:bodyPr wrap="square" rtlCol="0">
+            <a:spAutoFit/>
+          </a:bodyPr>
+          <a:lstStyle/>
+          <a:p>
+            <a:r>
+              <a:rPr lang="en-GB" sz="3600" u="sng" dirty="0">
+                <a:latin typeface="Chelsea Market" panose="02000000000000000000" pitchFamily="2" charset="0"/>
+                <a:ea typeface="Chelsea Market" panose="02000000000000000000" pitchFamily="2" charset="0"/>
+              </a:rPr>
+              <a:t>Start</a:t>
+            </a:r>
+          </a:p>
+        </p:txBody>
+      </p:sp>
+      <p:sp>
+        <p:nvSpPr>
+          <p:cNvPr id="14" name="TextBox 13"/>
+          <p:cNvSpPr txBox="1"/>
+          <p:nvPr/>
+        </p:nvSpPr>
+        <p:spPr>
+          <a:xfrm>
+            <a:off x="3793066" y="4627575"/>
+            <a:ext cx="1388533" cy="655625"/>
+          </a:xfrm>
+          <a:prstGeom prst="rect">
+            <a:avLst/>
+          </a:prstGeom>
+          <a:noFill/>
+        </p:spPr>
+        <p:txBody>
+          <a:bodyPr wrap="square" rtlCol="0">
+            <a:spAutoFit/>
+          </a:bodyPr>
+          <a:lstStyle/>
+          <a:p>
+            <a:r>
+              <a:rPr lang="en-GB" sz="3600" u="sng" dirty="0">
+                <a:solidFill>
+                  <a:srgbClr val="7030A0"/>
+                </a:solidFill>
+                <a:latin typeface="Chelsea Market" panose="02000000000000000000" pitchFamily="2" charset="0"/>
+                <a:ea typeface="Chelsea Market" panose="02000000000000000000" pitchFamily="2" charset="0"/>
+              </a:rPr>
+              <a:t>Start</a:t>
+            </a:r>
+          </a:p>
+        </p:txBody>
+      </p:sp>
+      <p:sp>
+        <p:nvSpPr>
+          <p:cNvPr id="15" name="Rectangle 14"/>
+          <p:cNvSpPr/>
+          <p:nvPr/>
+        </p:nvSpPr>
+        <p:spPr>
+          <a:xfrm>
+            <a:off x="711200" y="4351291"/>
+            <a:ext cx="5029200" cy="1208190"/>
+          </a:xfrm>
+          <a:prstGeom prst="rect">
+            <a:avLst/>
+          </a:prstGeom>
+          <a:noFill/>
+          <a:ln w="76200">
+            <a:solidFill>
+              <a:schemeClr val="tx1"/>
+            </a:solidFill>
+          </a:ln>
+        </p:spPr>
+        <p:style>
+          <a:lnRef idx="2">
+            <a:schemeClr val="accent1">
+              <a:shade val="50000"/>
+            </a:schemeClr>
+          </a:lnRef>
+          <a:fillRef idx="1">
+            <a:schemeClr val="accent1"/>
+          </a:fillRef>
+          <a:effectRef idx="0">
+            <a:schemeClr val="accent1"/>
+          </a:effectRef>
+          <a:fontRef idx="minor">
+            <a:schemeClr val="lt1"/>
+          </a:fontRef>
+        </p:style>
+        <p:txBody>
+          <a:bodyPr rtlCol="0" anchor="ctr"/>
+          <a:lstStyle/>
+          <a:p>
+            <a:pPr algn="ctr"/>
+            <a:endParaRPr lang="en-GB"/>
+          </a:p>
+        </p:txBody>
+      </p:sp>
+      <p:pic>
+        <p:nvPicPr>
+          <p:cNvPr id="17" name="Picture 16"/>
+          <p:cNvPicPr>
+            <a:picLocks noChangeAspect="1"/>
+          </p:cNvPicPr>
+          <p:nvPr/>
+        </p:nvPicPr>
+        <p:blipFill>
+          <a:blip r:embed="rId3">
+            <a:extLst>
+              <a:ext uri="{28A0092B-C50C-407E-A947-70E740481C1C}">
+                <a14:useLocalDpi xmlns:a14="http://schemas.microsoft.com/office/drawing/2010/main" val="0"/>
+              </a:ext>
+            </a:extLst>
+          </a:blip>
+          <a:stretch>
+            <a:fillRect/>
+          </a:stretch>
+        </p:blipFill>
+        <p:spPr>
+          <a:xfrm rot="20207804">
+            <a:off x="4670106" y="5018081"/>
+            <a:ext cx="410104" cy="530235"/>
+          </a:xfrm>
+          <a:prstGeom prst="rect">
+            <a:avLst/>
+          </a:prstGeom>
+        </p:spPr>
+      </p:pic>
+      <p:pic>
+        <p:nvPicPr>
+          <p:cNvPr id="19" name="Graphic 18"/>
+          <p:cNvPicPr>
+            <a:picLocks noChangeAspect="1"/>
+          </p:cNvPicPr>
+          <p:nvPr/>
+        </p:nvPicPr>
+        <p:blipFill>
+          <a:blip r:embed="rId4">
+            <a:extLst>
+              <a:ext uri="{28A0092B-C50C-407E-A947-70E740481C1C}">
+                <a14:useLocalDpi xmlns:a14="http://schemas.microsoft.com/office/drawing/2010/main" val="0"/>
+              </a:ext>
+              <a:ext uri="{96DAC541-7B7A-43D3-8B79-37D633B846F1}">
+                <asvg:svgBlip xmlns:asvg="http://schemas.microsoft.com/office/drawing/2016/SVG/main" r:embed="rId5"/>
+              </a:ext>
+            </a:extLst>
+          </a:blip>
+          <a:stretch>
+            <a:fillRect/>
+          </a:stretch>
+        </p:blipFill>
+        <p:spPr>
+          <a:xfrm flipH="1">
+            <a:off x="8265748" y="4283679"/>
+            <a:ext cx="596888" cy="596888"/>
+          </a:xfrm>
+          <a:prstGeom prst="rect">
+            <a:avLst/>
+          </a:prstGeom>
+        </p:spPr>
+      </p:pic>
+    </p:spTree>
+    <p:extLst>
+      <p:ext uri="{BB962C8B-B14F-4D97-AF65-F5344CB8AC3E}">
+        <p14:creationId xmlns:p14="http://schemas.microsoft.com/office/powerpoint/2010/main" val="2640927761"/>
+      </p:ext>
+    </p:extLst>
+  </p:cSld>
+  <p:clrMapOvr>
+    <a:masterClrMapping/>
+  </p:clrMapOvr>
+</p:sld>
+</file>
+
+<file path=ppt/slides/slide8.xml><?xml version="1.0" encoding="utf-8"?>
+<p:sld xmlns:a="http://schemas.openxmlformats.org/drawingml/2006/main" xmlns:r="http://schemas.openxmlformats.org/officeDocument/2006/relationships" xmlns:p="http://schemas.openxmlformats.org/presentationml/2006/main">
+  <p:cSld>
+    <p:spTree>
+      <p:nvGrpSpPr>
+        <p:cNvPr id="1" name=""/>
+        <p:cNvGrpSpPr/>
+        <p:nvPr/>
+      </p:nvGrpSpPr>
+      <p:grpSpPr>
+        <a:xfrm>
+          <a:off x="0" y="0"/>
+          <a:ext cx="0" cy="0"/>
+          <a:chOff x="0" y="0"/>
+          <a:chExt cx="0" cy="0"/>
+        </a:xfrm>
+      </p:grpSpPr>
+      <p:sp>
+        <p:nvSpPr>
+          <p:cNvPr id="2" name="Title 1"/>
+          <p:cNvSpPr>
+            <a:spLocks noGrp="1"/>
+          </p:cNvSpPr>
+          <p:nvPr>
+            <p:ph type="title"/>
+          </p:nvPr>
+        </p:nvSpPr>
+        <p:spPr/>
+        <p:txBody>
+          <a:bodyPr/>
+          <a:lstStyle/>
+          <a:p>
+            <a:r>
+              <a:rPr lang="en-GB" dirty="0">
+                <a:latin typeface="Chelsea Market" panose="02000000000000000000" pitchFamily="2" charset="0"/>
+                <a:ea typeface="Chelsea Market" panose="02000000000000000000" pitchFamily="2" charset="0"/>
+              </a:rPr>
+              <a:t>Juice</a:t>
+            </a:r>
             <a:endParaRPr lang="en-GB" dirty="0"/>
           </a:p>
         </p:txBody>
@@ -4971,6 +5406,305 @@
     <p:extLst>
       <p:ext uri="{BB962C8B-B14F-4D97-AF65-F5344CB8AC3E}">
         <p14:creationId xmlns:p14="http://schemas.microsoft.com/office/powerpoint/2010/main" val="1005499036"/>
+      </p:ext>
+    </p:extLst>
+  </p:cSld>
+  <p:clrMapOvr>
+    <a:masterClrMapping/>
+  </p:clrMapOvr>
+</p:sld>
+</file>
+
+<file path=ppt/slides/slide9.xml><?xml version="1.0" encoding="utf-8"?>
+<p:sld xmlns:a="http://schemas.openxmlformats.org/drawingml/2006/main" xmlns:r="http://schemas.openxmlformats.org/officeDocument/2006/relationships" xmlns:p="http://schemas.openxmlformats.org/presentationml/2006/main">
+  <p:cSld>
+    <p:spTree>
+      <p:nvGrpSpPr>
+        <p:cNvPr id="1" name=""/>
+        <p:cNvGrpSpPr/>
+        <p:nvPr/>
+      </p:nvGrpSpPr>
+      <p:grpSpPr>
+        <a:xfrm>
+          <a:off x="0" y="0"/>
+          <a:ext cx="0" cy="0"/>
+          <a:chOff x="0" y="0"/>
+          <a:chExt cx="0" cy="0"/>
+        </a:xfrm>
+      </p:grpSpPr>
+      <p:sp>
+        <p:nvSpPr>
+          <p:cNvPr id="22" name="Oval 21"/>
+          <p:cNvSpPr/>
+          <p:nvPr/>
+        </p:nvSpPr>
+        <p:spPr>
+          <a:xfrm>
+            <a:off x="9661913" y="2613634"/>
+            <a:ext cx="1784543" cy="1784543"/>
+          </a:xfrm>
+          <a:prstGeom prst="ellipse">
+            <a:avLst/>
+          </a:prstGeom>
+          <a:solidFill>
+            <a:srgbClr val="00B050"/>
+          </a:solidFill>
+          <a:ln>
+            <a:noFill/>
+          </a:ln>
+        </p:spPr>
+        <p:style>
+          <a:lnRef idx="2">
+            <a:schemeClr val="accent1">
+              <a:shade val="50000"/>
+            </a:schemeClr>
+          </a:lnRef>
+          <a:fillRef idx="1">
+            <a:schemeClr val="accent1"/>
+          </a:fillRef>
+          <a:effectRef idx="0">
+            <a:schemeClr val="accent1"/>
+          </a:effectRef>
+          <a:fontRef idx="minor">
+            <a:schemeClr val="lt1"/>
+          </a:fontRef>
+        </p:style>
+        <p:txBody>
+          <a:bodyPr rtlCol="0" anchor="ctr"/>
+          <a:lstStyle/>
+          <a:p>
+            <a:pPr algn="ctr"/>
+            <a:endParaRPr lang="en-GB"/>
+          </a:p>
+        </p:txBody>
+      </p:sp>
+      <p:sp>
+        <p:nvSpPr>
+          <p:cNvPr id="24" name="Rectangle 23"/>
+          <p:cNvSpPr/>
+          <p:nvPr/>
+        </p:nvSpPr>
+        <p:spPr>
+          <a:xfrm>
+            <a:off x="9645457" y="2617136"/>
+            <a:ext cx="1784543" cy="1784320"/>
+          </a:xfrm>
+          <a:prstGeom prst="rect">
+            <a:avLst/>
+          </a:prstGeom>
+          <a:noFill/>
+        </p:spPr>
+        <p:style>
+          <a:lnRef idx="2">
+            <a:schemeClr val="accent1">
+              <a:shade val="50000"/>
+            </a:schemeClr>
+          </a:lnRef>
+          <a:fillRef idx="1">
+            <a:schemeClr val="accent1"/>
+          </a:fillRef>
+          <a:effectRef idx="0">
+            <a:schemeClr val="accent1"/>
+          </a:effectRef>
+          <a:fontRef idx="minor">
+            <a:schemeClr val="lt1"/>
+          </a:fontRef>
+        </p:style>
+        <p:txBody>
+          <a:bodyPr rtlCol="0" anchor="ctr"/>
+          <a:lstStyle/>
+          <a:p>
+            <a:pPr algn="ctr"/>
+            <a:endParaRPr lang="en-GB"/>
+          </a:p>
+        </p:txBody>
+      </p:sp>
+      <p:pic>
+        <p:nvPicPr>
+          <p:cNvPr id="5" name="Content Placeholder 4" descr="A picture containing text, phone&#10;&#10;Description generated with high confidence"/>
+          <p:cNvPicPr>
+            <a:picLocks noGrp="1" noChangeAspect="1"/>
+          </p:cNvPicPr>
+          <p:nvPr>
+            <p:ph idx="1"/>
+          </p:nvPr>
+        </p:nvPicPr>
+        <p:blipFill>
+          <a:blip r:embed="rId2">
+            <a:extLst>
+              <a:ext uri="{28A0092B-C50C-407E-A947-70E740481C1C}">
+                <a14:useLocalDpi xmlns:a14="http://schemas.microsoft.com/office/drawing/2010/main" val="0"/>
+              </a:ext>
+            </a:extLst>
+          </a:blip>
+          <a:stretch>
+            <a:fillRect/>
+          </a:stretch>
+        </p:blipFill>
+        <p:spPr>
+          <a:xfrm>
+            <a:off x="372534" y="400499"/>
+            <a:ext cx="7517567" cy="6115130"/>
+          </a:xfrm>
+        </p:spPr>
+      </p:pic>
+      <p:sp>
+        <p:nvSpPr>
+          <p:cNvPr id="6" name="Rectangle 5"/>
+          <p:cNvSpPr/>
+          <p:nvPr/>
+        </p:nvSpPr>
+        <p:spPr>
+          <a:xfrm>
+            <a:off x="372534" y="1016000"/>
+            <a:ext cx="7010399" cy="609600"/>
+          </a:xfrm>
+          <a:prstGeom prst="rect">
+            <a:avLst/>
+          </a:prstGeom>
+          <a:noFill/>
+          <a:ln w="38100">
+            <a:solidFill>
+              <a:srgbClr val="FF0000"/>
+            </a:solidFill>
+          </a:ln>
+        </p:spPr>
+        <p:style>
+          <a:lnRef idx="2">
+            <a:schemeClr val="accent1">
+              <a:shade val="50000"/>
+            </a:schemeClr>
+          </a:lnRef>
+          <a:fillRef idx="1">
+            <a:schemeClr val="accent1"/>
+          </a:fillRef>
+          <a:effectRef idx="0">
+            <a:schemeClr val="accent1"/>
+          </a:effectRef>
+          <a:fontRef idx="minor">
+            <a:schemeClr val="lt1"/>
+          </a:fontRef>
+        </p:style>
+        <p:txBody>
+          <a:bodyPr rtlCol="0" anchor="ctr"/>
+          <a:lstStyle/>
+          <a:p>
+            <a:pPr algn="ctr"/>
+            <a:endParaRPr lang="en-GB"/>
+          </a:p>
+        </p:txBody>
+      </p:sp>
+      <p:pic>
+        <p:nvPicPr>
+          <p:cNvPr id="23" name="Picture 22"/>
+          <p:cNvPicPr>
+            <a:picLocks noChangeAspect="1"/>
+          </p:cNvPicPr>
+          <p:nvPr/>
+        </p:nvPicPr>
+        <p:blipFill>
+          <a:blip r:embed="rId3">
+            <a:extLst>
+              <a:ext uri="{28A0092B-C50C-407E-A947-70E740481C1C}">
+                <a14:useLocalDpi xmlns:a14="http://schemas.microsoft.com/office/drawing/2010/main" val="0"/>
+              </a:ext>
+            </a:extLst>
+          </a:blip>
+          <a:stretch>
+            <a:fillRect/>
+          </a:stretch>
+        </p:blipFill>
+        <p:spPr>
+          <a:xfrm>
+            <a:off x="8670120" y="2617136"/>
+            <a:ext cx="1784320" cy="1784320"/>
+          </a:xfrm>
+          <a:prstGeom prst="rect">
+            <a:avLst/>
+          </a:prstGeom>
+          <a:ln>
+            <a:solidFill>
+              <a:srgbClr val="FF0000"/>
+            </a:solidFill>
+          </a:ln>
+        </p:spPr>
+      </p:pic>
+      <p:sp>
+        <p:nvSpPr>
+          <p:cNvPr id="28" name="TextBox 27"/>
+          <p:cNvSpPr txBox="1"/>
+          <p:nvPr/>
+        </p:nvSpPr>
+        <p:spPr>
+          <a:xfrm>
+            <a:off x="10345997" y="2155471"/>
+            <a:ext cx="1776923" cy="461665"/>
+          </a:xfrm>
+          <a:prstGeom prst="rect">
+            <a:avLst/>
+          </a:prstGeom>
+          <a:noFill/>
+        </p:spPr>
+        <p:txBody>
+          <a:bodyPr wrap="square" rtlCol="0">
+            <a:spAutoFit/>
+          </a:bodyPr>
+          <a:lstStyle/>
+          <a:p>
+            <a:r>
+              <a:rPr lang="en-US" sz="2400" dirty="0" err="1">
+                <a:latin typeface="Roboto" pitchFamily="2" charset="0"/>
+                <a:ea typeface="Roboto" pitchFamily="2" charset="0"/>
+              </a:rPr>
+              <a:t>targetRect</a:t>
+            </a:r>
+            <a:endParaRPr lang="en-GB" sz="2400" dirty="0">
+              <a:latin typeface="Roboto" pitchFamily="2" charset="0"/>
+              <a:ea typeface="Roboto" pitchFamily="2" charset="0"/>
+            </a:endParaRPr>
+          </a:p>
+        </p:txBody>
+      </p:sp>
+      <p:sp>
+        <p:nvSpPr>
+          <p:cNvPr id="29" name="TextBox 28"/>
+          <p:cNvSpPr txBox="1"/>
+          <p:nvPr/>
+        </p:nvSpPr>
+        <p:spPr>
+          <a:xfrm>
+            <a:off x="8265562" y="2148690"/>
+            <a:ext cx="1439774" cy="461665"/>
+          </a:xfrm>
+          <a:prstGeom prst="rect">
+            <a:avLst/>
+          </a:prstGeom>
+          <a:noFill/>
+        </p:spPr>
+        <p:txBody>
+          <a:bodyPr wrap="square" rtlCol="0">
+            <a:spAutoFit/>
+          </a:bodyPr>
+          <a:lstStyle/>
+          <a:p>
+            <a:r>
+              <a:rPr lang="en-US" sz="2400" dirty="0" err="1">
+                <a:latin typeface="Roboto" pitchFamily="2" charset="0"/>
+                <a:ea typeface="Roboto" pitchFamily="2" charset="0"/>
+              </a:rPr>
+              <a:t>ballRect</a:t>
+            </a:r>
+            <a:endParaRPr lang="en-GB" sz="2400" dirty="0">
+              <a:latin typeface="Roboto" pitchFamily="2" charset="0"/>
+              <a:ea typeface="Roboto" pitchFamily="2" charset="0"/>
+            </a:endParaRPr>
+          </a:p>
+        </p:txBody>
+      </p:sp>
+    </p:spTree>
+    <p:extLst>
+      <p:ext uri="{BB962C8B-B14F-4D97-AF65-F5344CB8AC3E}">
+        <p14:creationId xmlns:p14="http://schemas.microsoft.com/office/powerpoint/2010/main" val="691908688"/>
       </p:ext>
     </p:extLst>
   </p:cSld>
